--- a/wordsearch.pptx
+++ b/wordsearch.pptx
@@ -13499,10 +13499,10 @@
       </p:sp>
       <p:pic>
         <p:nvPicPr>
-          <p:cNvPr id="15" name="Picture 14" descr="A screenshot of a computer&#10;&#10;Description automatically generated">
+          <p:cNvPr id="23" name="Picture 22" descr="A screenshot of a game&#10;&#10;Description automatically generated">
             <a:extLst>
               <a:ext uri="{FF2B5EF4-FFF2-40B4-BE49-F238E27FC236}">
-                <a16:creationId xmlns:a16="http://schemas.microsoft.com/office/drawing/2014/main" id="{D66866E6-3947-98A9-871D-449071345B2A}"/>
+                <a16:creationId xmlns:a16="http://schemas.microsoft.com/office/drawing/2014/main" id="{A6F51F6B-285D-1918-0325-22F5CFE6D802}"/>
               </a:ext>
             </a:extLst>
           </p:cNvPr>
@@ -13511,21 +13511,73 @@
           </p:cNvPicPr>
           <p:nvPr/>
         </p:nvPicPr>
-        <p:blipFill rotWithShape="1">
+        <p:blipFill>
           <a:blip r:embed="rId3"/>
-          <a:srcRect l="18736" t="36560" r="55296" b="21015"/>
-          <a:stretch/>
+          <a:stretch>
+            <a:fillRect/>
+          </a:stretch>
         </p:blipFill>
         <p:spPr>
           <a:xfrm>
-            <a:off x="7020806" y="3338623"/>
-            <a:ext cx="2931268" cy="2992980"/>
+            <a:off x="7062399" y="3130031"/>
+            <a:ext cx="2986308" cy="2986308"/>
           </a:xfrm>
           <a:prstGeom prst="rect">
             <a:avLst/>
           </a:prstGeom>
         </p:spPr>
       </p:pic>
+      <p:sp>
+        <p:nvSpPr>
+          <p:cNvPr id="25" name="TextBox 24">
+            <a:extLst>
+              <a:ext uri="{FF2B5EF4-FFF2-40B4-BE49-F238E27FC236}">
+                <a16:creationId xmlns:a16="http://schemas.microsoft.com/office/drawing/2014/main" id="{EBD70275-B73F-10F6-D23B-F09903BF1471}"/>
+              </a:ext>
+            </a:extLst>
+          </p:cNvPr>
+          <p:cNvSpPr txBox="1"/>
+          <p:nvPr/>
+        </p:nvSpPr>
+        <p:spPr>
+          <a:xfrm>
+            <a:off x="1676412" y="5123441"/>
+            <a:ext cx="3950120" cy="369332"/>
+          </a:xfrm>
+          <a:prstGeom prst="rect">
+            <a:avLst/>
+          </a:prstGeom>
+          <a:noFill/>
+        </p:spPr>
+        <p:txBody>
+          <a:bodyPr wrap="none" rtlCol="0">
+            <a:spAutoFit/>
+          </a:bodyPr>
+          <a:lstStyle/>
+          <a:p>
+            <a:r>
+              <a:rPr lang="en-US" dirty="0"/>
+              <a:t>https://</a:t>
+            </a:r>
+            <a:r>
+              <a:rPr lang="en-US" dirty="0" err="1"/>
+              <a:t>github.com</a:t>
+            </a:r>
+            <a:r>
+              <a:rPr lang="en-US" dirty="0"/>
+              <a:t>/</a:t>
+            </a:r>
+            <a:r>
+              <a:rPr lang="en-US" dirty="0" err="1"/>
+              <a:t>ksu</a:t>
+            </a:r>
+            <a:r>
+              <a:rPr lang="en-US" dirty="0"/>
+              <a:t>-is/Word-Puzzle</a:t>
+            </a:r>
+          </a:p>
+        </p:txBody>
+      </p:sp>
     </p:spTree>
     <p:extLst>
       <p:ext uri="{BB962C8B-B14F-4D97-AF65-F5344CB8AC3E}">
